--- a/Express-Farma.pptx
+++ b/Express-Farma.pptx
@@ -9332,8 +9332,8 @@
         </p:nvSpPr>
         <p:spPr>
           <a:xfrm>
-            <a:off x="-1003300" y="2754286"/>
-            <a:ext cx="10609546" cy="1349428"/>
+            <a:off x="218908" y="3033686"/>
+            <a:ext cx="8023391" cy="1349428"/>
           </a:xfrm>
           <a:prstGeom prst="rect">
             <a:avLst/>
@@ -9367,7 +9367,7 @@
               <a:buNone/>
             </a:pPr>
             <a:r>
-              <a:rPr lang="pt-PT" sz="3800" b="0" i="0" u="none" strike="noStrike" cap="none" dirty="0">
+              <a:rPr lang="pt-PT" sz="3800" b="1" i="0" u="none" strike="noStrike" cap="none" dirty="0">
                 <a:solidFill>
                   <a:srgbClr val="1167A4"/>
                 </a:solidFill>
@@ -9379,7 +9379,7 @@
               <a:t>Sistema </a:t>
             </a:r>
             <a:r>
-              <a:rPr lang="pt-PT" sz="3800" b="0" i="0" u="none" strike="noStrike" cap="none" dirty="0">
+              <a:rPr lang="pt-PT" sz="3800" b="1" i="0" u="none" strike="noStrike" cap="none" dirty="0">
                 <a:solidFill>
                   <a:srgbClr val="1268A5"/>
                 </a:solidFill>
@@ -9391,7 +9391,7 @@
               <a:t>de gestão </a:t>
             </a:r>
             <a:r>
-              <a:rPr lang="pt-PT" sz="3800" dirty="0">
+              <a:rPr lang="pt-PT" sz="3800" b="1" dirty="0">
                 <a:solidFill>
                   <a:srgbClr val="1167A4"/>
                 </a:solidFill>
@@ -9403,7 +9403,7 @@
               <a:t>para </a:t>
             </a:r>
             <a:r>
-              <a:rPr lang="pt-BR" sz="3800" dirty="0">
+              <a:rPr lang="pt-BR" sz="3800" b="1" dirty="0">
                 <a:solidFill>
                   <a:srgbClr val="1167A4"/>
                 </a:solidFill>
@@ -9415,7 +9415,7 @@
               <a:t>f</a:t>
             </a:r>
             <a:r>
-              <a:rPr lang="pt-AO" sz="3800" dirty="0">
+              <a:rPr lang="pt-AO" sz="3800" b="1" dirty="0">
                 <a:solidFill>
                   <a:srgbClr val="1167A4"/>
                 </a:solidFill>
@@ -9427,7 +9427,7 @@
               <a:t>armácia</a:t>
             </a:r>
             <a:r>
-              <a:rPr lang="pt-BR" sz="3800" dirty="0">
+              <a:rPr lang="pt-BR" sz="3800" b="1" dirty="0">
                 <a:solidFill>
                   <a:srgbClr val="1167A4"/>
                 </a:solidFill>
@@ -9439,7 +9439,7 @@
               <a:t>s</a:t>
             </a:r>
             <a:r>
-              <a:rPr lang="pt-AO" sz="3800" dirty="0">
+              <a:rPr lang="pt-AO" sz="3800" b="1" dirty="0">
                 <a:solidFill>
                   <a:srgbClr val="1167A4"/>
                 </a:solidFill>
@@ -9448,10 +9448,10 @@
                 <a:cs typeface="Roboto"/>
                 <a:sym typeface="Roboto"/>
               </a:rPr>
-              <a:t>  </a:t>
+              <a:t> </a:t>
             </a:r>
             <a:br>
-              <a:rPr lang="pt-BR" sz="3800" dirty="0">
+              <a:rPr lang="pt-BR" sz="3800" b="1" dirty="0">
                 <a:solidFill>
                   <a:srgbClr val="1167A4"/>
                 </a:solidFill>
@@ -9461,54 +9461,7 @@
                 <a:sym typeface="Roboto"/>
               </a:rPr>
             </a:br>
-            <a:r>
-              <a:rPr lang="pt-AO" sz="3800" dirty="0">
-                <a:solidFill>
-                  <a:srgbClr val="1167A4"/>
-                </a:solidFill>
-                <a:latin typeface="+mj-lt"/>
-                <a:ea typeface="Roboto"/>
-                <a:cs typeface="Roboto"/>
-                <a:sym typeface="Roboto"/>
-              </a:rPr>
-              <a:t>“</a:t>
-            </a:r>
-            <a:r>
-              <a:rPr lang="pt-BR" sz="3800" dirty="0">
-                <a:solidFill>
-                  <a:srgbClr val="1167A4"/>
-                </a:solidFill>
-                <a:latin typeface="+mj-lt"/>
-                <a:ea typeface="Roboto"/>
-                <a:cs typeface="Roboto"/>
-                <a:sym typeface="Roboto"/>
-              </a:rPr>
-              <a:t>Express </a:t>
-            </a:r>
-            <a:r>
-              <a:rPr lang="pt-AO" sz="3800" dirty="0">
-                <a:solidFill>
-                  <a:srgbClr val="1167A4"/>
-                </a:solidFill>
-                <a:latin typeface="+mj-lt"/>
-                <a:ea typeface="Roboto"/>
-                <a:cs typeface="Roboto"/>
-                <a:sym typeface="Roboto"/>
-              </a:rPr>
-              <a:t>Farma”</a:t>
-            </a:r>
-            <a:br>
-              <a:rPr lang="pt-BR" sz="3600" dirty="0">
-                <a:solidFill>
-                  <a:srgbClr val="1167A4"/>
-                </a:solidFill>
-                <a:latin typeface="+mj-lt"/>
-                <a:ea typeface="Roboto"/>
-                <a:cs typeface="Roboto"/>
-                <a:sym typeface="Roboto"/>
-              </a:rPr>
-            </a:br>
-            <a:endParaRPr sz="3600" b="0" i="0" u="none" strike="noStrike" cap="none" dirty="0">
+            <a:endParaRPr sz="3800" b="1" i="0" u="none" strike="noStrike" cap="none" dirty="0">
               <a:solidFill>
                 <a:srgbClr val="1167A4"/>
               </a:solidFill>
@@ -9846,17 +9799,39 @@
               </a:rPr>
               <a:t> </a:t>
             </a:r>
-            <a:endParaRPr lang="en-GB" sz="2400" dirty="0">
-              <a:solidFill>
-                <a:srgbClr val="1268A5"/>
-              </a:solidFill>
-              <a:effectLst/>
-              <a:latin typeface="Times New Roman" panose="02020603050405020304" pitchFamily="18" charset="0"/>
-              <a:ea typeface="Times New Roman" panose="02020603050405020304" pitchFamily="18" charset="0"/>
-            </a:endParaRPr>
           </a:p>
         </p:txBody>
       </p:sp>
+      <p:pic>
+        <p:nvPicPr>
+          <p:cNvPr id="4" name="Imagem 3">
+            <a:extLst>
+              <a:ext uri="{FF2B5EF4-FFF2-40B4-BE49-F238E27FC236}">
+                <a16:creationId xmlns:a16="http://schemas.microsoft.com/office/drawing/2014/main" id="{C24B6D3D-FFE6-B8BA-3DEF-FDF718CC4EAF}"/>
+              </a:ext>
+            </a:extLst>
+          </p:cNvPr>
+          <p:cNvPicPr>
+            <a:picLocks noChangeAspect="1"/>
+          </p:cNvPicPr>
+          <p:nvPr/>
+        </p:nvPicPr>
+        <p:blipFill>
+          <a:blip r:embed="rId3"/>
+          <a:stretch>
+            <a:fillRect/>
+          </a:stretch>
+        </p:blipFill>
+        <p:spPr>
+          <a:xfrm>
+            <a:off x="712661" y="755594"/>
+            <a:ext cx="2694189" cy="669983"/>
+          </a:xfrm>
+          <a:prstGeom prst="rect">
+            <a:avLst/>
+          </a:prstGeom>
+        </p:spPr>
+      </p:pic>
     </p:spTree>
   </p:cSld>
   <p:clrMapOvr>
@@ -10060,10 +10035,10 @@
       </p:sp>
       <p:pic>
         <p:nvPicPr>
-          <p:cNvPr id="3" name="Imagem 2">
+          <p:cNvPr id="5" name="Imagem 4">
             <a:extLst>
               <a:ext uri="{FF2B5EF4-FFF2-40B4-BE49-F238E27FC236}">
-                <a16:creationId xmlns:a16="http://schemas.microsoft.com/office/drawing/2014/main" id="{929DC810-AE01-1C1B-A789-28A6C48E484F}"/>
+                <a16:creationId xmlns:a16="http://schemas.microsoft.com/office/drawing/2014/main" id="{128F2D24-F74F-97CF-975E-03453C1701F9}"/>
               </a:ext>
             </a:extLst>
           </p:cNvPr>
@@ -10073,30 +10048,19 @@
           <p:nvPr/>
         </p:nvPicPr>
         <p:blipFill>
-          <a:blip r:embed="rId3">
-            <a:extLst>
-              <a:ext uri="{28A0092B-C50C-407E-A947-70E740481C1C}">
-                <a14:useLocalDpi xmlns:a14="http://schemas.microsoft.com/office/drawing/2010/main" val="0"/>
-              </a:ext>
-            </a:extLst>
-          </a:blip>
-          <a:srcRect/>
+          <a:blip r:embed="rId3"/>
           <a:stretch>
             <a:fillRect/>
           </a:stretch>
         </p:blipFill>
-        <p:spPr bwMode="auto">
+        <p:spPr>
           <a:xfrm>
-            <a:off x="1879423" y="897392"/>
-            <a:ext cx="8134358" cy="5437632"/>
+            <a:off x="1728952" y="673622"/>
+            <a:ext cx="8435300" cy="5727178"/>
           </a:xfrm>
           <a:prstGeom prst="rect">
             <a:avLst/>
           </a:prstGeom>
-          <a:noFill/>
-          <a:ln>
-            <a:noFill/>
-          </a:ln>
         </p:spPr>
       </p:pic>
     </p:spTree>
@@ -10440,7 +10404,19 @@
               <a:rPr lang="pt-BR" sz="2400" dirty="0">
                 <a:latin typeface="+mj-lt"/>
               </a:rPr>
-              <a:t>O objetivo deste módulo é gerir todos os utilizadores do sistema. Isso inclui criar novas contas de usuário, modificar as configurações das contas existentes, permitir ou negar o acesso de determinados usuários a recursos específicos da plataforma, gerenciar as permissões e privilégios de cada conta.</a:t>
+              <a:t>O </a:t>
+            </a:r>
+            <a:r>
+              <a:rPr lang="pt-BR" sz="2400" dirty="0" err="1">
+                <a:latin typeface="+mj-lt"/>
+              </a:rPr>
+              <a:t>objectivo</a:t>
+            </a:r>
+            <a:r>
+              <a:rPr lang="pt-BR" sz="2400" dirty="0">
+                <a:latin typeface="+mj-lt"/>
+              </a:rPr>
+              <a:t> deste módulo é gerir todos os utilizadores do sistema. Isso inclui criar novas contas de usuário (clientes e farmácias), modificar as configurações das contas existentes, permitir ou negar o acesso de determinados usuários a recursos específicos da plataforma, gerenciar as permissões e privilégios de cada conta.</a:t>
             </a:r>
           </a:p>
         </p:txBody>
@@ -10594,7 +10570,21 @@
                 <a:latin typeface="+mj-lt"/>
                 <a:ea typeface="Times New Roman" panose="02020603050405020304" pitchFamily="18" charset="0"/>
               </a:rPr>
-              <a:t>O objetivo deste módulo é controlar e gerenciar todas as atividades relacionadas ao processo de venda, desde a criação do pedido até a entrega do produto. Esse módulo inclui funcionalidades como: Gerenciamento de produtos, controle de estoque, criação de pedidos, processamento de pagamentos, relatórios de venda, etc.</a:t>
+              <a:t>O </a:t>
+            </a:r>
+            <a:r>
+              <a:rPr lang="pt-BR" sz="2400" dirty="0" err="1">
+                <a:latin typeface="+mj-lt"/>
+                <a:ea typeface="Times New Roman" panose="02020603050405020304" pitchFamily="18" charset="0"/>
+              </a:rPr>
+              <a:t>objectivo</a:t>
+            </a:r>
+            <a:r>
+              <a:rPr lang="pt-BR" sz="2400" dirty="0">
+                <a:latin typeface="+mj-lt"/>
+                <a:ea typeface="Times New Roman" panose="02020603050405020304" pitchFamily="18" charset="0"/>
+              </a:rPr>
+              <a:t> deste módulo é controlar e gerenciar todas as atividades relacionadas ao processo de venda, desde a criação do pedido até a entrega do produto. Esse módulo inclui funcionalidades como: Gerenciamento de produtos, controle de estoque, criação de pedidos, processamento de pagamentos, relatórios e gráficos de venda, etc.</a:t>
             </a:r>
             <a:endParaRPr lang="en-US" sz="2400" dirty="0">
               <a:latin typeface="+mj-lt"/>
@@ -10641,7 +10631,7 @@
         </p:nvSpPr>
         <p:spPr>
           <a:xfrm>
-            <a:off x="2584704" y="-238382"/>
+            <a:off x="2633472" y="-200804"/>
             <a:ext cx="6925056" cy="1754326"/>
           </a:xfrm>
           <a:prstGeom prst="rect">
@@ -10768,7 +10758,7 @@
       <p:sp>
         <p:nvSpPr>
           <p:cNvPr id="6" name="Retângulo 5">
-            <a:hlinkClick r:id="rId3" action="ppaction://hlinkfile"/>
+            <a:hlinkClick r:id="rId2" action="ppaction://hlinkfile"/>
           </p:cNvPr>
           <p:cNvSpPr/>
           <p:nvPr/>
@@ -11132,13 +11122,18 @@
               <a:buChar char="q"/>
             </a:pPr>
             <a:r>
-              <a:rPr lang="pt-BR" sz="2400" dirty="0">
+              <a:rPr lang="pt-BR" sz="2400" dirty="0" err="1">
                 <a:solidFill>
                   <a:srgbClr val="1268A5"/>
                 </a:solidFill>
               </a:rPr>
-              <a:t>Objetivos</a:t>
+              <a:t>Objectivos</a:t>
             </a:r>
+            <a:endParaRPr lang="pt-BR" sz="2400" dirty="0">
+              <a:solidFill>
+                <a:srgbClr val="1268A5"/>
+              </a:solidFill>
+            </a:endParaRPr>
           </a:p>
           <a:p>
             <a:pPr marL="342900" indent="-342900">
@@ -11553,7 +11548,13 @@
       </p:grpSpPr>
       <p:sp>
         <p:nvSpPr>
-          <p:cNvPr id="4" name="Google Shape;74;p3"/>
+          <p:cNvPr id="6" name="Google Shape;74;p3">
+            <a:extLst>
+              <a:ext uri="{FF2B5EF4-FFF2-40B4-BE49-F238E27FC236}">
+                <a16:creationId xmlns:a16="http://schemas.microsoft.com/office/drawing/2014/main" id="{C71228BE-E37B-FEDA-052E-EB318DB80214}"/>
+              </a:ext>
+            </a:extLst>
+          </p:cNvPr>
           <p:cNvSpPr txBox="1">
             <a:spLocks/>
           </p:cNvSpPr>
@@ -11825,14 +11826,20 @@
                 <a:cs typeface="Twentieth Century"/>
                 <a:sym typeface="Twentieth Century"/>
               </a:rPr>
-              <a:t>Objetivos</a:t>
+              <a:t>Objectivos</a:t>
             </a:r>
           </a:p>
         </p:txBody>
       </p:sp>
       <p:sp>
         <p:nvSpPr>
-          <p:cNvPr id="5" name="Google Shape;75;p3"/>
+          <p:cNvPr id="7" name="Google Shape;75;p3">
+            <a:extLst>
+              <a:ext uri="{FF2B5EF4-FFF2-40B4-BE49-F238E27FC236}">
+                <a16:creationId xmlns:a16="http://schemas.microsoft.com/office/drawing/2014/main" id="{649BB53A-FAB0-B347-8EAC-58E5D008626A}"/>
+              </a:ext>
+            </a:extLst>
+          </p:cNvPr>
           <p:cNvSpPr txBox="1">
             <a:spLocks/>
           </p:cNvSpPr>
@@ -12103,7 +12110,7 @@
                 </a:solidFill>
                 <a:latin typeface="+mj-lt"/>
               </a:rPr>
-              <a:t>Objetivo Geral</a:t>
+              <a:t>Objectivo Geral</a:t>
             </a:r>
           </a:p>
           <a:p>
@@ -12123,14 +12130,13 @@
             </a:endParaRPr>
           </a:p>
           <a:p>
-            <a:pPr algn="just">
-              <a:lnSpc>
-                <a:spcPct val="90000"/>
-              </a:lnSpc>
-              <a:buClr>
-                <a:srgbClr val="1167A4"/>
-              </a:buClr>
-              <a:buSzPts val="2800"/>
+            <a:pPr>
+              <a:spcBef>
+                <a:spcPts val="600"/>
+              </a:spcBef>
+              <a:spcAft>
+                <a:spcPts val="600"/>
+              </a:spcAft>
             </a:pPr>
             <a:r>
               <a:rPr lang="pt-BR" sz="2000" dirty="0">
@@ -12138,7 +12144,7 @@
                 <a:latin typeface="+mj-lt"/>
                 <a:ea typeface="Times New Roman" panose="02020603050405020304" pitchFamily="18" charset="0"/>
               </a:rPr>
-              <a:t>Desenvolver um sistema eficaz, capaz de facilitar na procura de produtos farmacêuticos da loja mais próxima a nós, como também um controle e gestão da mesma.</a:t>
+              <a:t>Desenvolver um Sistema de Gestão para Farmácias.</a:t>
             </a:r>
             <a:endParaRPr lang="en-GB" sz="2000" dirty="0">
               <a:effectLst/>
@@ -12177,7 +12183,7 @@
                 </a:solidFill>
                 <a:latin typeface="+mj-lt"/>
               </a:rPr>
-              <a:t>Objetivos Específicos</a:t>
+              <a:t>Objectivos Específicos</a:t>
             </a:r>
           </a:p>
           <a:p>
@@ -12217,7 +12223,7 @@
                 <a:latin typeface="+mj-lt"/>
                 <a:ea typeface="Times New Roman" panose="02020603050405020304" pitchFamily="18" charset="0"/>
               </a:rPr>
-              <a:t>Fazer os levantamentos de requisitos;</a:t>
+              <a:t>Fazer integração das lojas farmacêuticas disponíveis no mercado na aplicação;</a:t>
             </a:r>
             <a:endParaRPr lang="en-GB" sz="2000" dirty="0">
               <a:effectLst/>
@@ -12245,8 +12251,13 @@
                 <a:latin typeface="+mj-lt"/>
                 <a:ea typeface="Times New Roman" panose="02020603050405020304" pitchFamily="18" charset="0"/>
               </a:rPr>
-              <a:t>Fazer integração das lojas farmacêuticas disponíveis no mercado na aplicação;</a:t>
+              <a:t>Fazer a publicação dos produtos do nosso e-commerce; </a:t>
             </a:r>
+            <a:endParaRPr lang="en-GB" sz="2000" dirty="0">
+              <a:effectLst/>
+              <a:latin typeface="+mj-lt"/>
+              <a:ea typeface="Times New Roman" panose="02020603050405020304" pitchFamily="18" charset="0"/>
+            </a:endParaRPr>
           </a:p>
           <a:p>
             <a:pPr marL="342900" lvl="0" indent="-342900" algn="just">
@@ -12297,37 +12308,6 @@
                 <a:ea typeface="Times New Roman" panose="02020603050405020304" pitchFamily="18" charset="0"/>
               </a:rPr>
               <a:t>Implementar métodos de pagamento;</a:t>
-            </a:r>
-            <a:r>
-              <a:rPr lang="en-GB" sz="2000" dirty="0">
-                <a:effectLst/>
-                <a:latin typeface="+mj-lt"/>
-                <a:ea typeface="Times New Roman" panose="02020603050405020304" pitchFamily="18" charset="0"/>
-              </a:rPr>
-              <a:t> </a:t>
-            </a:r>
-          </a:p>
-          <a:p>
-            <a:pPr marL="342900" lvl="0" indent="-342900" algn="just">
-              <a:lnSpc>
-                <a:spcPct val="115000"/>
-              </a:lnSpc>
-              <a:spcBef>
-                <a:spcPts val="600"/>
-              </a:spcBef>
-              <a:spcAft>
-                <a:spcPts val="600"/>
-              </a:spcAft>
-              <a:buFont typeface="Wingdings" panose="05000000000000000000" pitchFamily="2" charset="2"/>
-              <a:buChar char=""/>
-            </a:pPr>
-            <a:r>
-              <a:rPr lang="pt-BR" sz="2000" dirty="0">
-                <a:effectLst/>
-                <a:latin typeface="+mj-lt"/>
-                <a:ea typeface="Times New Roman" panose="02020603050405020304" pitchFamily="18" charset="0"/>
-              </a:rPr>
-              <a:t>Construir um sistema de gerenciamento de estoque para garantir a disponibilidade dos produtos e evitar problemas de ruptura de estoque; </a:t>
             </a:r>
             <a:endParaRPr lang="en-GB" sz="2000" dirty="0">
               <a:effectLst/>
@@ -13247,8 +13227,8 @@
         </p:nvSpPr>
         <p:spPr>
           <a:xfrm>
-            <a:off x="510673" y="1634743"/>
-            <a:ext cx="10644562" cy="3277028"/>
+            <a:off x="494476" y="1046823"/>
+            <a:ext cx="11203048" cy="3277028"/>
           </a:xfrm>
           <a:prstGeom prst="rect">
             <a:avLst/>
@@ -13492,30 +13472,53 @@
             </a:lvl9pPr>
           </a:lstStyle>
           <a:p>
-            <a:pPr marL="342900" lvl="0" indent="-342900" algn="just">
-              <a:lnSpc>
-                <a:spcPct val="115000"/>
-              </a:lnSpc>
-              <a:spcBef>
-                <a:spcPts val="600"/>
-              </a:spcBef>
-              <a:spcAft>
-                <a:spcPts val="600"/>
-              </a:spcAft>
-              <a:buFont typeface="Wingdings" panose="05000000000000000000" pitchFamily="2" charset="2"/>
-              <a:buChar char=""/>
+            <a:pPr algn="just">
+              <a:lnSpc>
+                <a:spcPct val="90000"/>
+              </a:lnSpc>
+              <a:buClr>
+                <a:srgbClr val="1167A4"/>
+              </a:buClr>
+              <a:buSzPts val="2800"/>
+              <a:buFont typeface="Twentieth Century"/>
+              <a:buNone/>
+            </a:pPr>
+            <a:endParaRPr lang="pt-PT" sz="1200" dirty="0">
+              <a:latin typeface="+mj-lt"/>
+            </a:endParaRPr>
+          </a:p>
+          <a:p>
+            <a:pPr algn="just">
+              <a:lnSpc>
+                <a:spcPct val="90000"/>
+              </a:lnSpc>
+              <a:buClr>
+                <a:srgbClr val="1167A4"/>
+              </a:buClr>
+              <a:buSzPts val="2800"/>
             </a:pPr>
             <a:r>
-              <a:rPr lang="pt-PT" sz="2000" dirty="0">
+              <a:rPr lang="pt-BR" sz="2000" dirty="0">
                 <a:effectLst/>
-                <a:latin typeface="Calibri" panose="020F0502020204030204" pitchFamily="34" charset="0"/>
+                <a:latin typeface="+mj-lt"/>
                 <a:ea typeface="Times New Roman" panose="02020603050405020304" pitchFamily="18" charset="0"/>
               </a:rPr>
-              <a:t>Facilidade na compra de produtos farmacêuticos; </a:t>
+              <a:t>Desenvolver um sistema eficaz, capaz de facilitar na procura de produtos farmacêuticos da loja mais próxima a nós, como também um controle e gestão da mesma, com as seguintes vantagens:</a:t>
             </a:r>
-            <a:endParaRPr lang="en-GB" sz="2000" dirty="0">
+          </a:p>
+          <a:p>
+            <a:pPr algn="just">
+              <a:lnSpc>
+                <a:spcPct val="90000"/>
+              </a:lnSpc>
+              <a:buClr>
+                <a:srgbClr val="1167A4"/>
+              </a:buClr>
+              <a:buSzPts val="2800"/>
+            </a:pPr>
+            <a:endParaRPr lang="pt-PT" sz="2000" dirty="0">
               <a:effectLst/>
-              <a:latin typeface="Times New Roman" panose="02020603050405020304" pitchFamily="18" charset="0"/>
+              <a:latin typeface="Calibri" panose="020F0502020204030204" pitchFamily="34" charset="0"/>
               <a:ea typeface="Times New Roman" panose="02020603050405020304" pitchFamily="18" charset="0"/>
             </a:endParaRPr>
           </a:p>
@@ -13534,16 +13537,16 @@
               <a:buChar char=""/>
             </a:pPr>
             <a:r>
-              <a:rPr lang="pt-PT" sz="2000" dirty="0">
+              <a:rPr lang="pt-BR" sz="1800" dirty="0">
                 <a:effectLst/>
-                <a:latin typeface="Calibri" panose="020F0502020204030204" pitchFamily="34" charset="0"/>
+                <a:latin typeface="+mj-lt"/>
                 <a:ea typeface="Times New Roman" panose="02020603050405020304" pitchFamily="18" charset="0"/>
               </a:rPr>
-              <a:t>Controle e gestão dos produtos; </a:t>
+              <a:t>Facilidade na procura de produtos farmacêuticos; </a:t>
             </a:r>
-            <a:endParaRPr lang="en-GB" sz="2000" dirty="0">
+            <a:endParaRPr lang="en-GB" sz="1800" dirty="0">
               <a:effectLst/>
-              <a:latin typeface="Times New Roman" panose="02020603050405020304" pitchFamily="18" charset="0"/>
+              <a:latin typeface="+mj-lt"/>
               <a:ea typeface="Times New Roman" panose="02020603050405020304" pitchFamily="18" charset="0"/>
             </a:endParaRPr>
           </a:p>
@@ -13562,16 +13565,16 @@
               <a:buChar char=""/>
             </a:pPr>
             <a:r>
-              <a:rPr lang="pt-PT" sz="2000" dirty="0">
+              <a:rPr lang="pt-BR" sz="1800" dirty="0">
                 <a:effectLst/>
-                <a:latin typeface="Calibri" panose="020F0502020204030204" pitchFamily="34" charset="0"/>
+                <a:latin typeface="+mj-lt"/>
                 <a:ea typeface="Times New Roman" panose="02020603050405020304" pitchFamily="18" charset="0"/>
               </a:rPr>
-              <a:t>Tempo economizado;</a:t>
+              <a:t>Procura do melhor produto razoável no mercado; </a:t>
             </a:r>
-            <a:endParaRPr lang="en-GB" sz="2000" dirty="0">
+            <a:endParaRPr lang="en-GB" sz="1800" dirty="0">
               <a:effectLst/>
-              <a:latin typeface="Times New Roman" panose="02020603050405020304" pitchFamily="18" charset="0"/>
+              <a:latin typeface="+mj-lt"/>
               <a:ea typeface="Times New Roman" panose="02020603050405020304" pitchFamily="18" charset="0"/>
             </a:endParaRPr>
           </a:p>
@@ -13590,16 +13593,16 @@
               <a:buChar char=""/>
             </a:pPr>
             <a:r>
-              <a:rPr lang="pt-PT" sz="2000" dirty="0">
+              <a:rPr lang="pt-BR" sz="1800" dirty="0">
                 <a:effectLst/>
-                <a:latin typeface="Calibri" panose="020F0502020204030204" pitchFamily="34" charset="0"/>
+                <a:latin typeface="+mj-lt"/>
                 <a:ea typeface="Times New Roman" panose="02020603050405020304" pitchFamily="18" charset="0"/>
               </a:rPr>
-              <a:t>Gastos desnecessários de filas;</a:t>
+              <a:t>Controle e gestão dos produtos; </a:t>
             </a:r>
-            <a:endParaRPr lang="en-GB" sz="2000" dirty="0">
+            <a:endParaRPr lang="en-GB" sz="1800" dirty="0">
               <a:effectLst/>
-              <a:latin typeface="Times New Roman" panose="02020603050405020304" pitchFamily="18" charset="0"/>
+              <a:latin typeface="+mj-lt"/>
               <a:ea typeface="Times New Roman" panose="02020603050405020304" pitchFamily="18" charset="0"/>
             </a:endParaRPr>
           </a:p>
@@ -13618,16 +13621,16 @@
               <a:buChar char=""/>
             </a:pPr>
             <a:r>
-              <a:rPr lang="pt-PT" sz="2000" dirty="0">
+              <a:rPr lang="pt-BR" sz="1800" dirty="0">
                 <a:effectLst/>
-                <a:latin typeface="Calibri" panose="020F0502020204030204" pitchFamily="34" charset="0"/>
+                <a:latin typeface="+mj-lt"/>
                 <a:ea typeface="Times New Roman" panose="02020603050405020304" pitchFamily="18" charset="0"/>
               </a:rPr>
-              <a:t>Facilidade no uso do sistema;</a:t>
+              <a:t>Tempo economizado;</a:t>
             </a:r>
-            <a:endParaRPr lang="en-GB" sz="2000" dirty="0">
+            <a:endParaRPr lang="en-GB" sz="1800" dirty="0">
               <a:effectLst/>
-              <a:latin typeface="Times New Roman" panose="02020603050405020304" pitchFamily="18" charset="0"/>
+              <a:latin typeface="+mj-lt"/>
               <a:ea typeface="Times New Roman" panose="02020603050405020304" pitchFamily="18" charset="0"/>
             </a:endParaRPr>
           </a:p>
@@ -13646,35 +13649,27 @@
               <a:buChar char=""/>
             </a:pPr>
             <a:r>
-              <a:rPr lang="pt-PT" sz="2000" dirty="0">
+              <a:rPr lang="pt-BR" sz="1800" dirty="0">
                 <a:effectLst/>
-                <a:latin typeface="Calibri" panose="020F0502020204030204" pitchFamily="34" charset="0"/>
+                <a:latin typeface="+mj-lt"/>
                 <a:ea typeface="Times New Roman" panose="02020603050405020304" pitchFamily="18" charset="0"/>
               </a:rPr>
-              <a:t>Melhoria do atendimento ao cliente;</a:t>
+              <a:t>Gastos desnecessários evitados na deslocação;</a:t>
             </a:r>
-            <a:endParaRPr lang="en-GB" sz="2000" dirty="0">
-              <a:effectLst/>
-              <a:latin typeface="Times New Roman" panose="02020603050405020304" pitchFamily="18" charset="0"/>
-              <a:ea typeface="Times New Roman" panose="02020603050405020304" pitchFamily="18" charset="0"/>
-            </a:endParaRPr>
-          </a:p>
-          <a:p>
-            <a:pPr algn="just"/>
             <a:r>
-              <a:rPr lang="pt-PT" sz="2000" dirty="0"/>
+              <a:rPr lang="pt-PT" sz="1800" dirty="0"/>
               <a:t>  </a:t>
             </a:r>
-            <a:endParaRPr lang="en-US" sz="2000" dirty="0"/>
+            <a:endParaRPr lang="en-US" sz="1800" dirty="0"/>
           </a:p>
         </p:txBody>
       </p:sp>
       <p:pic>
         <p:nvPicPr>
-          <p:cNvPr id="6" name="Imagem 5">
+          <p:cNvPr id="10" name="Imagem 9">
             <a:extLst>
               <a:ext uri="{FF2B5EF4-FFF2-40B4-BE49-F238E27FC236}">
-                <a16:creationId xmlns:a16="http://schemas.microsoft.com/office/drawing/2014/main" id="{CC15E072-8CED-5474-318B-C6EA70A4537D}"/>
+                <a16:creationId xmlns:a16="http://schemas.microsoft.com/office/drawing/2014/main" id="{F5CB7867-0204-C8E7-6461-E04525BFC0B9}"/>
               </a:ext>
             </a:extLst>
           </p:cNvPr>
@@ -13683,22 +13678,15 @@
           </p:cNvPicPr>
           <p:nvPr/>
         </p:nvPicPr>
-        <p:blipFill>
-          <a:blip r:embed="rId2">
-            <a:extLst>
-              <a:ext uri="{28A0092B-C50C-407E-A947-70E740481C1C}">
-                <a14:useLocalDpi xmlns:a14="http://schemas.microsoft.com/office/drawing/2010/main" val="0"/>
-              </a:ext>
-            </a:extLst>
-          </a:blip>
-          <a:stretch>
-            <a:fillRect/>
-          </a:stretch>
+        <p:blipFill rotWithShape="1">
+          <a:blip r:embed="rId2"/>
+          <a:srcRect l="13692" r="15117"/>
+          <a:stretch/>
         </p:blipFill>
         <p:spPr>
           <a:xfrm>
-            <a:off x="6557070" y="1810107"/>
-            <a:ext cx="5156651" cy="2873010"/>
+            <a:off x="6098390" y="1982075"/>
+            <a:ext cx="5599134" cy="3277029"/>
           </a:xfrm>
           <a:prstGeom prst="rect">
             <a:avLst/>
@@ -14280,7 +14268,7 @@
               <a:buFont typeface="Twentieth Century"/>
               <a:buNone/>
             </a:pPr>
-            <a:endParaRPr lang="pt-PT" sz="3200">
+            <a:endParaRPr lang="pt-PT" sz="3200" dirty="0">
               <a:solidFill>
                 <a:srgbClr val="1268A5"/>
               </a:solidFill>
@@ -14302,14 +14290,14 @@
               <a:buChar char="§"/>
             </a:pPr>
             <a:r>
-              <a:rPr lang="pt-BR" sz="2000">
+              <a:rPr lang="pt-BR" sz="2000" dirty="0">
                 <a:effectLst/>
                 <a:latin typeface="+mj-lt"/>
                 <a:ea typeface="Times New Roman" panose="02020603050405020304" pitchFamily="18" charset="0"/>
               </a:rPr>
               <a:t>Cadastrar clientes e farmácias;</a:t>
             </a:r>
-            <a:endParaRPr lang="pt-AO" sz="2000">
+            <a:endParaRPr lang="pt-AO" sz="2000" dirty="0">
               <a:effectLst/>
               <a:latin typeface="+mj-lt"/>
               <a:ea typeface="Times New Roman" panose="02020603050405020304" pitchFamily="18" charset="0"/>
@@ -14330,14 +14318,14 @@
               <a:buChar char="§"/>
             </a:pPr>
             <a:r>
-              <a:rPr lang="pt-BR" sz="2000">
+              <a:rPr lang="pt-BR" sz="2000" dirty="0">
                 <a:effectLst/>
                 <a:latin typeface="+mj-lt"/>
                 <a:ea typeface="Times New Roman" panose="02020603050405020304" pitchFamily="18" charset="0"/>
               </a:rPr>
               <a:t>Catalogar  produtos ;</a:t>
             </a:r>
-            <a:endParaRPr lang="pt-AO" sz="2000">
+            <a:endParaRPr lang="pt-AO" sz="2000" dirty="0">
               <a:effectLst/>
               <a:latin typeface="+mj-lt"/>
               <a:ea typeface="Times New Roman" panose="02020603050405020304" pitchFamily="18" charset="0"/>
@@ -14358,14 +14346,14 @@
               <a:buChar char="§"/>
             </a:pPr>
             <a:r>
-              <a:rPr lang="pt-BR" sz="2000">
+              <a:rPr lang="pt-BR" sz="2000" dirty="0">
                 <a:effectLst/>
                 <a:latin typeface="+mj-lt"/>
                 <a:ea typeface="Times New Roman" panose="02020603050405020304" pitchFamily="18" charset="0"/>
               </a:rPr>
               <a:t>Gerar relatórios e análises de vendas; </a:t>
             </a:r>
-            <a:endParaRPr lang="en-US" sz="2000">
+            <a:endParaRPr lang="en-US" sz="2000" dirty="0">
               <a:latin typeface="+mj-lt"/>
               <a:ea typeface="Calibri" panose="020F0502020204030204" pitchFamily="34" charset="0"/>
               <a:cs typeface="Calibri" panose="020F0502020204030204" pitchFamily="34" charset="0"/>
@@ -14386,14 +14374,14 @@
               <a:buChar char="§"/>
             </a:pPr>
             <a:r>
-              <a:rPr lang="pt-BR" sz="2000">
+              <a:rPr lang="pt-BR" sz="2000" dirty="0">
                 <a:effectLst/>
                 <a:latin typeface="+mj-lt"/>
                 <a:ea typeface="Times New Roman" panose="02020603050405020304" pitchFamily="18" charset="0"/>
               </a:rPr>
               <a:t>Controlar estoque;</a:t>
             </a:r>
-            <a:endParaRPr lang="en-US" sz="2000">
+            <a:endParaRPr lang="en-US" sz="2000" dirty="0">
               <a:latin typeface="+mj-lt"/>
               <a:ea typeface="Calibri" panose="020F0502020204030204" pitchFamily="34" charset="0"/>
               <a:cs typeface="Calibri" panose="020F0502020204030204" pitchFamily="34" charset="0"/>
@@ -14414,14 +14402,14 @@
               <a:buChar char="§"/>
             </a:pPr>
             <a:r>
-              <a:rPr lang="pt-BR" sz="2000">
+              <a:rPr lang="pt-BR" sz="2000" dirty="0">
                 <a:effectLst/>
                 <a:latin typeface="+mj-lt"/>
                 <a:ea typeface="Times New Roman" panose="02020603050405020304" pitchFamily="18" charset="0"/>
               </a:rPr>
               <a:t>Rastrear de pedidos;</a:t>
             </a:r>
-            <a:endParaRPr lang="pt-AO" sz="2000">
+            <a:endParaRPr lang="pt-AO" sz="2000" dirty="0">
               <a:effectLst/>
               <a:latin typeface="+mj-lt"/>
               <a:ea typeface="Times New Roman" panose="02020603050405020304" pitchFamily="18" charset="0"/>
@@ -15451,7 +15439,7 @@
         </p:blipFill>
         <p:spPr bwMode="auto">
           <a:xfrm>
-            <a:off x="936092" y="915274"/>
+            <a:off x="923564" y="901321"/>
             <a:ext cx="2012745" cy="1207647"/>
           </a:xfrm>
           <a:prstGeom prst="rect">
@@ -15498,7 +15486,7 @@
         </p:blipFill>
         <p:spPr bwMode="auto">
           <a:xfrm>
-            <a:off x="706171" y="2320865"/>
+            <a:off x="636823" y="2260868"/>
             <a:ext cx="2472588" cy="892406"/>
           </a:xfrm>
           <a:prstGeom prst="rect">
@@ -15545,7 +15533,7 @@
         </p:blipFill>
         <p:spPr bwMode="auto">
           <a:xfrm>
-            <a:off x="1388314" y="3589497"/>
+            <a:off x="1333292" y="3536934"/>
             <a:ext cx="1108302" cy="1108302"/>
           </a:xfrm>
           <a:prstGeom prst="rect">
@@ -15592,7 +15580,7 @@
         </p:blipFill>
         <p:spPr bwMode="auto">
           <a:xfrm>
-            <a:off x="1195270" y="5267920"/>
+            <a:off x="1125923" y="5345386"/>
             <a:ext cx="1494387" cy="731182"/>
           </a:xfrm>
           <a:prstGeom prst="rect">
@@ -15632,7 +15620,7 @@
         </p:blipFill>
         <p:spPr>
           <a:xfrm>
-            <a:off x="8905958" y="2777339"/>
+            <a:off x="9226551" y="2777339"/>
             <a:ext cx="1690183" cy="1690183"/>
           </a:xfrm>
           <a:prstGeom prst="rect">
@@ -15661,7 +15649,7 @@
         </p:blipFill>
         <p:spPr>
           <a:xfrm>
-            <a:off x="7852637" y="4905337"/>
+            <a:off x="7372482" y="5025153"/>
             <a:ext cx="3708138" cy="829055"/>
           </a:xfrm>
           <a:prstGeom prst="rect">
@@ -15690,7 +15678,7 @@
         </p:blipFill>
         <p:spPr>
           <a:xfrm>
-            <a:off x="3590083" y="4680700"/>
+            <a:off x="3501295" y="4892425"/>
             <a:ext cx="964525" cy="1255180"/>
           </a:xfrm>
           <a:prstGeom prst="rect">
@@ -15720,7 +15708,7 @@
         </p:blipFill>
         <p:spPr>
           <a:xfrm>
-            <a:off x="3518246" y="3315947"/>
+            <a:off x="3402814" y="3372088"/>
             <a:ext cx="1195387" cy="957262"/>
           </a:xfrm>
           <a:prstGeom prst="roundRect">
@@ -15750,7 +15738,7 @@
         </p:blipFill>
         <p:spPr>
           <a:xfrm>
-            <a:off x="3661665" y="1624951"/>
+            <a:off x="3557272" y="1631874"/>
             <a:ext cx="908548" cy="1283505"/>
           </a:xfrm>
           <a:prstGeom prst="rect">
@@ -15780,660 +15768,73 @@
         </p:blipFill>
         <p:spPr>
           <a:xfrm>
-            <a:off x="8423079" y="1054453"/>
-            <a:ext cx="2832829" cy="1593466"/>
+            <a:off x="8518451" y="937031"/>
+            <a:ext cx="3106381" cy="1747339"/>
           </a:xfrm>
           <a:prstGeom prst="rect">
             <a:avLst/>
           </a:prstGeom>
         </p:spPr>
       </p:pic>
-      <p:sp>
-        <p:nvSpPr>
-          <p:cNvPr id="12" name="Google Shape;85;p5">
+      <p:pic>
+        <p:nvPicPr>
+          <p:cNvPr id="16" name="Imagem 15">
             <a:extLst>
               <a:ext uri="{FF2B5EF4-FFF2-40B4-BE49-F238E27FC236}">
-                <a16:creationId xmlns:a16="http://schemas.microsoft.com/office/drawing/2014/main" id="{31451304-5E4B-FD36-4EAB-D6D72EAC4B94}"/>
+                <a16:creationId xmlns:a16="http://schemas.microsoft.com/office/drawing/2014/main" id="{CCE38B6C-4535-2B1D-66A2-057B6CF3060D}"/>
               </a:ext>
             </a:extLst>
           </p:cNvPr>
-          <p:cNvSpPr txBox="1">
-            <a:spLocks/>
-          </p:cNvSpPr>
+          <p:cNvPicPr>
+            <a:picLocks noChangeAspect="1"/>
+          </p:cNvPicPr>
           <p:nvPr/>
-        </p:nvSpPr>
+        </p:nvPicPr>
+        <p:blipFill>
+          <a:blip r:embed="rId13"/>
+          <a:stretch>
+            <a:fillRect/>
+          </a:stretch>
+        </p:blipFill>
         <p:spPr>
-          <a:xfrm rot="10800000" flipV="1">
-            <a:off x="5336725" y="2396069"/>
-            <a:ext cx="3016979" cy="957262"/>
+          <a:xfrm>
+            <a:off x="6376225" y="3564076"/>
+            <a:ext cx="2135620" cy="892406"/>
           </a:xfrm>
           <a:prstGeom prst="rect">
             <a:avLst/>
           </a:prstGeom>
-          <a:noFill/>
-          <a:ln>
-            <a:noFill/>
-          </a:ln>
         </p:spPr>
-        <p:txBody>
-          <a:bodyPr spcFirstLastPara="1" wrap="square" lIns="91425" tIns="45700" rIns="91425" bIns="45700" anchor="ctr" anchorCtr="0">
-            <a:noAutofit/>
-          </a:bodyPr>
-          <a:lstStyle>
-            <a:defPPr marR="0" lvl="0" algn="l" rtl="0">
-              <a:lnSpc>
-                <a:spcPct val="100000"/>
-              </a:lnSpc>
-              <a:spcBef>
-                <a:spcPts val="0"/>
-              </a:spcBef>
-              <a:spcAft>
-                <a:spcPts val="0"/>
-              </a:spcAft>
-            </a:defPPr>
-            <a:lvl1pPr marR="0" lvl="0" algn="ctr" rtl="0">
-              <a:lnSpc>
-                <a:spcPct val="90000"/>
-              </a:lnSpc>
-              <a:spcBef>
-                <a:spcPts val="1000"/>
-              </a:spcBef>
-              <a:spcAft>
-                <a:spcPts val="0"/>
-              </a:spcAft>
-              <a:buClr>
-                <a:schemeClr val="dk1"/>
-              </a:buClr>
-              <a:buSzPts val="2400"/>
-              <a:buFont typeface="Arial"/>
-              <a:buNone/>
-              <a:defRPr sz="2400" b="0" i="0" u="none" strike="noStrike" cap="none">
-                <a:solidFill>
-                  <a:schemeClr val="dk1"/>
-                </a:solidFill>
-                <a:latin typeface="Calibri"/>
-                <a:ea typeface="Calibri"/>
-                <a:cs typeface="Calibri"/>
-                <a:sym typeface="Calibri"/>
-              </a:defRPr>
-            </a:lvl1pPr>
-            <a:lvl2pPr marR="0" lvl="1" algn="ctr" rtl="0">
-              <a:lnSpc>
-                <a:spcPct val="90000"/>
-              </a:lnSpc>
-              <a:spcBef>
-                <a:spcPts val="500"/>
-              </a:spcBef>
-              <a:spcAft>
-                <a:spcPts val="0"/>
-              </a:spcAft>
-              <a:buClr>
-                <a:schemeClr val="dk1"/>
-              </a:buClr>
-              <a:buSzPts val="2000"/>
-              <a:buFont typeface="Arial"/>
-              <a:buNone/>
-              <a:defRPr sz="2000" b="0" i="0" u="none" strike="noStrike" cap="none">
-                <a:solidFill>
-                  <a:schemeClr val="dk1"/>
-                </a:solidFill>
-                <a:latin typeface="Calibri"/>
-                <a:ea typeface="Calibri"/>
-                <a:cs typeface="Calibri"/>
-                <a:sym typeface="Calibri"/>
-              </a:defRPr>
-            </a:lvl2pPr>
-            <a:lvl3pPr marR="0" lvl="2" algn="ctr" rtl="0">
-              <a:lnSpc>
-                <a:spcPct val="90000"/>
-              </a:lnSpc>
-              <a:spcBef>
-                <a:spcPts val="500"/>
-              </a:spcBef>
-              <a:spcAft>
-                <a:spcPts val="0"/>
-              </a:spcAft>
-              <a:buClr>
-                <a:schemeClr val="dk1"/>
-              </a:buClr>
-              <a:buSzPts val="1800"/>
-              <a:buFont typeface="Arial"/>
-              <a:buNone/>
-              <a:defRPr sz="1800" b="0" i="0" u="none" strike="noStrike" cap="none">
-                <a:solidFill>
-                  <a:schemeClr val="dk1"/>
-                </a:solidFill>
-                <a:latin typeface="Calibri"/>
-                <a:ea typeface="Calibri"/>
-                <a:cs typeface="Calibri"/>
-                <a:sym typeface="Calibri"/>
-              </a:defRPr>
-            </a:lvl3pPr>
-            <a:lvl4pPr marR="0" lvl="3" algn="ctr" rtl="0">
-              <a:lnSpc>
-                <a:spcPct val="90000"/>
-              </a:lnSpc>
-              <a:spcBef>
-                <a:spcPts val="500"/>
-              </a:spcBef>
-              <a:spcAft>
-                <a:spcPts val="0"/>
-              </a:spcAft>
-              <a:buClr>
-                <a:schemeClr val="dk1"/>
-              </a:buClr>
-              <a:buSzPts val="1600"/>
-              <a:buFont typeface="Arial"/>
-              <a:buNone/>
-              <a:defRPr sz="1600" b="0" i="0" u="none" strike="noStrike" cap="none">
-                <a:solidFill>
-                  <a:schemeClr val="dk1"/>
-                </a:solidFill>
-                <a:latin typeface="Calibri"/>
-                <a:ea typeface="Calibri"/>
-                <a:cs typeface="Calibri"/>
-                <a:sym typeface="Calibri"/>
-              </a:defRPr>
-            </a:lvl4pPr>
-            <a:lvl5pPr marR="0" lvl="4" algn="ctr" rtl="0">
-              <a:lnSpc>
-                <a:spcPct val="90000"/>
-              </a:lnSpc>
-              <a:spcBef>
-                <a:spcPts val="500"/>
-              </a:spcBef>
-              <a:spcAft>
-                <a:spcPts val="0"/>
-              </a:spcAft>
-              <a:buClr>
-                <a:schemeClr val="dk1"/>
-              </a:buClr>
-              <a:buSzPts val="1600"/>
-              <a:buFont typeface="Arial"/>
-              <a:buNone/>
-              <a:defRPr sz="1600" b="0" i="0" u="none" strike="noStrike" cap="none">
-                <a:solidFill>
-                  <a:schemeClr val="dk1"/>
-                </a:solidFill>
-                <a:latin typeface="Calibri"/>
-                <a:ea typeface="Calibri"/>
-                <a:cs typeface="Calibri"/>
-                <a:sym typeface="Calibri"/>
-              </a:defRPr>
-            </a:lvl5pPr>
-            <a:lvl6pPr marR="0" lvl="5" algn="ctr" rtl="0">
-              <a:lnSpc>
-                <a:spcPct val="90000"/>
-              </a:lnSpc>
-              <a:spcBef>
-                <a:spcPts val="500"/>
-              </a:spcBef>
-              <a:spcAft>
-                <a:spcPts val="0"/>
-              </a:spcAft>
-              <a:buClr>
-                <a:schemeClr val="dk1"/>
-              </a:buClr>
-              <a:buSzPts val="1600"/>
-              <a:buFont typeface="Arial"/>
-              <a:buNone/>
-              <a:defRPr sz="1600" b="0" i="0" u="none" strike="noStrike" cap="none">
-                <a:solidFill>
-                  <a:schemeClr val="dk1"/>
-                </a:solidFill>
-                <a:latin typeface="Calibri"/>
-                <a:ea typeface="Calibri"/>
-                <a:cs typeface="Calibri"/>
-                <a:sym typeface="Calibri"/>
-              </a:defRPr>
-            </a:lvl6pPr>
-            <a:lvl7pPr marR="0" lvl="6" algn="ctr" rtl="0">
-              <a:lnSpc>
-                <a:spcPct val="90000"/>
-              </a:lnSpc>
-              <a:spcBef>
-                <a:spcPts val="500"/>
-              </a:spcBef>
-              <a:spcAft>
-                <a:spcPts val="0"/>
-              </a:spcAft>
-              <a:buClr>
-                <a:schemeClr val="dk1"/>
-              </a:buClr>
-              <a:buSzPts val="1600"/>
-              <a:buFont typeface="Arial"/>
-              <a:buNone/>
-              <a:defRPr sz="1600" b="0" i="0" u="none" strike="noStrike" cap="none">
-                <a:solidFill>
-                  <a:schemeClr val="dk1"/>
-                </a:solidFill>
-                <a:latin typeface="Calibri"/>
-                <a:ea typeface="Calibri"/>
-                <a:cs typeface="Calibri"/>
-                <a:sym typeface="Calibri"/>
-              </a:defRPr>
-            </a:lvl7pPr>
-            <a:lvl8pPr marR="0" lvl="7" algn="ctr" rtl="0">
-              <a:lnSpc>
-                <a:spcPct val="90000"/>
-              </a:lnSpc>
-              <a:spcBef>
-                <a:spcPts val="500"/>
-              </a:spcBef>
-              <a:spcAft>
-                <a:spcPts val="0"/>
-              </a:spcAft>
-              <a:buClr>
-                <a:schemeClr val="dk1"/>
-              </a:buClr>
-              <a:buSzPts val="1600"/>
-              <a:buFont typeface="Arial"/>
-              <a:buNone/>
-              <a:defRPr sz="1600" b="0" i="0" u="none" strike="noStrike" cap="none">
-                <a:solidFill>
-                  <a:schemeClr val="dk1"/>
-                </a:solidFill>
-                <a:latin typeface="Calibri"/>
-                <a:ea typeface="Calibri"/>
-                <a:cs typeface="Calibri"/>
-                <a:sym typeface="Calibri"/>
-              </a:defRPr>
-            </a:lvl8pPr>
-            <a:lvl9pPr marR="0" lvl="8" algn="ctr" rtl="0">
-              <a:lnSpc>
-                <a:spcPct val="90000"/>
-              </a:lnSpc>
-              <a:spcBef>
-                <a:spcPts val="500"/>
-              </a:spcBef>
-              <a:spcAft>
-                <a:spcPts val="0"/>
-              </a:spcAft>
-              <a:buClr>
-                <a:schemeClr val="dk1"/>
-              </a:buClr>
-              <a:buSzPts val="1600"/>
-              <a:buFont typeface="Arial"/>
-              <a:buNone/>
-              <a:defRPr sz="1600" b="0" i="0" u="none" strike="noStrike" cap="none">
-                <a:solidFill>
-                  <a:schemeClr val="dk1"/>
-                </a:solidFill>
-                <a:latin typeface="Calibri"/>
-                <a:ea typeface="Calibri"/>
-                <a:cs typeface="Calibri"/>
-                <a:sym typeface="Calibri"/>
-              </a:defRPr>
-            </a:lvl9pPr>
-          </a:lstStyle>
-          <a:p>
-            <a:pPr>
-              <a:spcBef>
-                <a:spcPts val="0"/>
-              </a:spcBef>
-              <a:buClr>
-                <a:schemeClr val="lt1"/>
-              </a:buClr>
-              <a:buSzPts val="3600"/>
-            </a:pPr>
-            <a:r>
-              <a:rPr lang="pt-PT" sz="3600" dirty="0">
-                <a:solidFill>
-                  <a:schemeClr val="tx1"/>
-                </a:solidFill>
-                <a:latin typeface="Twentieth Century"/>
-                <a:ea typeface="Twentieth Century"/>
-                <a:cs typeface="Twentieth Century"/>
-                <a:sym typeface="Twentieth Century"/>
-              </a:rPr>
-              <a:t>Google Maps</a:t>
-            </a:r>
-          </a:p>
-          <a:p>
-            <a:pPr>
-              <a:spcBef>
-                <a:spcPts val="0"/>
-              </a:spcBef>
-              <a:buClr>
-                <a:schemeClr val="lt1"/>
-              </a:buClr>
-              <a:buSzPts val="3600"/>
-            </a:pPr>
-            <a:endParaRPr lang="pt-PT" sz="3600" dirty="0">
-              <a:solidFill>
-                <a:schemeClr val="tx1"/>
-              </a:solidFill>
-              <a:latin typeface="+mj-lt"/>
-              <a:ea typeface="Twentieth Century"/>
-              <a:cs typeface="Twentieth Century"/>
-              <a:sym typeface="Twentieth Century"/>
-            </a:endParaRPr>
-          </a:p>
-          <a:p>
-            <a:pPr>
-              <a:spcBef>
-                <a:spcPts val="0"/>
-              </a:spcBef>
-              <a:buClr>
-                <a:schemeClr val="lt1"/>
-              </a:buClr>
-              <a:buSzPts val="3600"/>
-            </a:pPr>
-            <a:endParaRPr lang="pt-PT" sz="3600" dirty="0">
-              <a:solidFill>
-                <a:schemeClr val="tx1"/>
-              </a:solidFill>
-              <a:latin typeface="Twentieth Century"/>
-              <a:ea typeface="Twentieth Century"/>
-              <a:cs typeface="Twentieth Century"/>
-              <a:sym typeface="Twentieth Century"/>
-            </a:endParaRPr>
-          </a:p>
-        </p:txBody>
-      </p:sp>
-      <p:sp>
-        <p:nvSpPr>
-          <p:cNvPr id="14" name="Google Shape;85;p5">
+      </p:pic>
+      <p:pic>
+        <p:nvPicPr>
+          <p:cNvPr id="23" name="Imagem 22">
             <a:extLst>
               <a:ext uri="{FF2B5EF4-FFF2-40B4-BE49-F238E27FC236}">
-                <a16:creationId xmlns:a16="http://schemas.microsoft.com/office/drawing/2014/main" id="{92BD8EA6-9765-A7C8-B865-BC16B955B38B}"/>
+                <a16:creationId xmlns:a16="http://schemas.microsoft.com/office/drawing/2014/main" id="{A7A9C323-744E-D0C6-6109-B444CC7B5082}"/>
               </a:ext>
             </a:extLst>
           </p:cNvPr>
-          <p:cNvSpPr txBox="1">
-            <a:spLocks/>
-          </p:cNvSpPr>
+          <p:cNvPicPr>
+            <a:picLocks noChangeAspect="1"/>
+          </p:cNvPicPr>
           <p:nvPr/>
-        </p:nvSpPr>
+        </p:nvPicPr>
+        <p:blipFill rotWithShape="1">
+          <a:blip r:embed="rId14"/>
+          <a:srcRect l="24718" t="13840" r="25698" b="12877"/>
+          <a:stretch/>
+        </p:blipFill>
         <p:spPr>
-          <a:xfrm rot="10800000" flipV="1">
-            <a:off x="5301306" y="3186386"/>
-            <a:ext cx="3016979" cy="957262"/>
+          <a:xfrm>
+            <a:off x="6587903" y="1572875"/>
+            <a:ext cx="1451848" cy="1375986"/>
           </a:xfrm>
           <a:prstGeom prst="rect">
             <a:avLst/>
           </a:prstGeom>
-          <a:noFill/>
-          <a:ln>
-            <a:noFill/>
-          </a:ln>
         </p:spPr>
-        <p:txBody>
-          <a:bodyPr spcFirstLastPara="1" wrap="square" lIns="91425" tIns="45700" rIns="91425" bIns="45700" anchor="ctr" anchorCtr="0">
-            <a:noAutofit/>
-          </a:bodyPr>
-          <a:lstStyle>
-            <a:defPPr marR="0" lvl="0" algn="l" rtl="0">
-              <a:lnSpc>
-                <a:spcPct val="100000"/>
-              </a:lnSpc>
-              <a:spcBef>
-                <a:spcPts val="0"/>
-              </a:spcBef>
-              <a:spcAft>
-                <a:spcPts val="0"/>
-              </a:spcAft>
-            </a:defPPr>
-            <a:lvl1pPr marR="0" lvl="0" algn="ctr" rtl="0">
-              <a:lnSpc>
-                <a:spcPct val="90000"/>
-              </a:lnSpc>
-              <a:spcBef>
-                <a:spcPts val="1000"/>
-              </a:spcBef>
-              <a:spcAft>
-                <a:spcPts val="0"/>
-              </a:spcAft>
-              <a:buClr>
-                <a:schemeClr val="dk1"/>
-              </a:buClr>
-              <a:buSzPts val="2400"/>
-              <a:buFont typeface="Arial"/>
-              <a:buNone/>
-              <a:defRPr sz="2400" b="0" i="0" u="none" strike="noStrike" cap="none">
-                <a:solidFill>
-                  <a:schemeClr val="dk1"/>
-                </a:solidFill>
-                <a:latin typeface="Calibri"/>
-                <a:ea typeface="Calibri"/>
-                <a:cs typeface="Calibri"/>
-                <a:sym typeface="Calibri"/>
-              </a:defRPr>
-            </a:lvl1pPr>
-            <a:lvl2pPr marR="0" lvl="1" algn="ctr" rtl="0">
-              <a:lnSpc>
-                <a:spcPct val="90000"/>
-              </a:lnSpc>
-              <a:spcBef>
-                <a:spcPts val="500"/>
-              </a:spcBef>
-              <a:spcAft>
-                <a:spcPts val="0"/>
-              </a:spcAft>
-              <a:buClr>
-                <a:schemeClr val="dk1"/>
-              </a:buClr>
-              <a:buSzPts val="2000"/>
-              <a:buFont typeface="Arial"/>
-              <a:buNone/>
-              <a:defRPr sz="2000" b="0" i="0" u="none" strike="noStrike" cap="none">
-                <a:solidFill>
-                  <a:schemeClr val="dk1"/>
-                </a:solidFill>
-                <a:latin typeface="Calibri"/>
-                <a:ea typeface="Calibri"/>
-                <a:cs typeface="Calibri"/>
-                <a:sym typeface="Calibri"/>
-              </a:defRPr>
-            </a:lvl2pPr>
-            <a:lvl3pPr marR="0" lvl="2" algn="ctr" rtl="0">
-              <a:lnSpc>
-                <a:spcPct val="90000"/>
-              </a:lnSpc>
-              <a:spcBef>
-                <a:spcPts val="500"/>
-              </a:spcBef>
-              <a:spcAft>
-                <a:spcPts val="0"/>
-              </a:spcAft>
-              <a:buClr>
-                <a:schemeClr val="dk1"/>
-              </a:buClr>
-              <a:buSzPts val="1800"/>
-              <a:buFont typeface="Arial"/>
-              <a:buNone/>
-              <a:defRPr sz="1800" b="0" i="0" u="none" strike="noStrike" cap="none">
-                <a:solidFill>
-                  <a:schemeClr val="dk1"/>
-                </a:solidFill>
-                <a:latin typeface="Calibri"/>
-                <a:ea typeface="Calibri"/>
-                <a:cs typeface="Calibri"/>
-                <a:sym typeface="Calibri"/>
-              </a:defRPr>
-            </a:lvl3pPr>
-            <a:lvl4pPr marR="0" lvl="3" algn="ctr" rtl="0">
-              <a:lnSpc>
-                <a:spcPct val="90000"/>
-              </a:lnSpc>
-              <a:spcBef>
-                <a:spcPts val="500"/>
-              </a:spcBef>
-              <a:spcAft>
-                <a:spcPts val="0"/>
-              </a:spcAft>
-              <a:buClr>
-                <a:schemeClr val="dk1"/>
-              </a:buClr>
-              <a:buSzPts val="1600"/>
-              <a:buFont typeface="Arial"/>
-              <a:buNone/>
-              <a:defRPr sz="1600" b="0" i="0" u="none" strike="noStrike" cap="none">
-                <a:solidFill>
-                  <a:schemeClr val="dk1"/>
-                </a:solidFill>
-                <a:latin typeface="Calibri"/>
-                <a:ea typeface="Calibri"/>
-                <a:cs typeface="Calibri"/>
-                <a:sym typeface="Calibri"/>
-              </a:defRPr>
-            </a:lvl4pPr>
-            <a:lvl5pPr marR="0" lvl="4" algn="ctr" rtl="0">
-              <a:lnSpc>
-                <a:spcPct val="90000"/>
-              </a:lnSpc>
-              <a:spcBef>
-                <a:spcPts val="500"/>
-              </a:spcBef>
-              <a:spcAft>
-                <a:spcPts val="0"/>
-              </a:spcAft>
-              <a:buClr>
-                <a:schemeClr val="dk1"/>
-              </a:buClr>
-              <a:buSzPts val="1600"/>
-              <a:buFont typeface="Arial"/>
-              <a:buNone/>
-              <a:defRPr sz="1600" b="0" i="0" u="none" strike="noStrike" cap="none">
-                <a:solidFill>
-                  <a:schemeClr val="dk1"/>
-                </a:solidFill>
-                <a:latin typeface="Calibri"/>
-                <a:ea typeface="Calibri"/>
-                <a:cs typeface="Calibri"/>
-                <a:sym typeface="Calibri"/>
-              </a:defRPr>
-            </a:lvl5pPr>
-            <a:lvl6pPr marR="0" lvl="5" algn="ctr" rtl="0">
-              <a:lnSpc>
-                <a:spcPct val="90000"/>
-              </a:lnSpc>
-              <a:spcBef>
-                <a:spcPts val="500"/>
-              </a:spcBef>
-              <a:spcAft>
-                <a:spcPts val="0"/>
-              </a:spcAft>
-              <a:buClr>
-                <a:schemeClr val="dk1"/>
-              </a:buClr>
-              <a:buSzPts val="1600"/>
-              <a:buFont typeface="Arial"/>
-              <a:buNone/>
-              <a:defRPr sz="1600" b="0" i="0" u="none" strike="noStrike" cap="none">
-                <a:solidFill>
-                  <a:schemeClr val="dk1"/>
-                </a:solidFill>
-                <a:latin typeface="Calibri"/>
-                <a:ea typeface="Calibri"/>
-                <a:cs typeface="Calibri"/>
-                <a:sym typeface="Calibri"/>
-              </a:defRPr>
-            </a:lvl6pPr>
-            <a:lvl7pPr marR="0" lvl="6" algn="ctr" rtl="0">
-              <a:lnSpc>
-                <a:spcPct val="90000"/>
-              </a:lnSpc>
-              <a:spcBef>
-                <a:spcPts val="500"/>
-              </a:spcBef>
-              <a:spcAft>
-                <a:spcPts val="0"/>
-              </a:spcAft>
-              <a:buClr>
-                <a:schemeClr val="dk1"/>
-              </a:buClr>
-              <a:buSzPts val="1600"/>
-              <a:buFont typeface="Arial"/>
-              <a:buNone/>
-              <a:defRPr sz="1600" b="0" i="0" u="none" strike="noStrike" cap="none">
-                <a:solidFill>
-                  <a:schemeClr val="dk1"/>
-                </a:solidFill>
-                <a:latin typeface="Calibri"/>
-                <a:ea typeface="Calibri"/>
-                <a:cs typeface="Calibri"/>
-                <a:sym typeface="Calibri"/>
-              </a:defRPr>
-            </a:lvl7pPr>
-            <a:lvl8pPr marR="0" lvl="7" algn="ctr" rtl="0">
-              <a:lnSpc>
-                <a:spcPct val="90000"/>
-              </a:lnSpc>
-              <a:spcBef>
-                <a:spcPts val="500"/>
-              </a:spcBef>
-              <a:spcAft>
-                <a:spcPts val="0"/>
-              </a:spcAft>
-              <a:buClr>
-                <a:schemeClr val="dk1"/>
-              </a:buClr>
-              <a:buSzPts val="1600"/>
-              <a:buFont typeface="Arial"/>
-              <a:buNone/>
-              <a:defRPr sz="1600" b="0" i="0" u="none" strike="noStrike" cap="none">
-                <a:solidFill>
-                  <a:schemeClr val="dk1"/>
-                </a:solidFill>
-                <a:latin typeface="Calibri"/>
-                <a:ea typeface="Calibri"/>
-                <a:cs typeface="Calibri"/>
-                <a:sym typeface="Calibri"/>
-              </a:defRPr>
-            </a:lvl8pPr>
-            <a:lvl9pPr marR="0" lvl="8" algn="ctr" rtl="0">
-              <a:lnSpc>
-                <a:spcPct val="90000"/>
-              </a:lnSpc>
-              <a:spcBef>
-                <a:spcPts val="500"/>
-              </a:spcBef>
-              <a:spcAft>
-                <a:spcPts val="0"/>
-              </a:spcAft>
-              <a:buClr>
-                <a:schemeClr val="dk1"/>
-              </a:buClr>
-              <a:buSzPts val="1600"/>
-              <a:buFont typeface="Arial"/>
-              <a:buNone/>
-              <a:defRPr sz="1600" b="0" i="0" u="none" strike="noStrike" cap="none">
-                <a:solidFill>
-                  <a:schemeClr val="dk1"/>
-                </a:solidFill>
-                <a:latin typeface="Calibri"/>
-                <a:ea typeface="Calibri"/>
-                <a:cs typeface="Calibri"/>
-                <a:sym typeface="Calibri"/>
-              </a:defRPr>
-            </a:lvl9pPr>
-          </a:lstStyle>
-          <a:p>
-            <a:pPr>
-              <a:spcBef>
-                <a:spcPts val="0"/>
-              </a:spcBef>
-              <a:buClr>
-                <a:schemeClr val="lt1"/>
-              </a:buClr>
-              <a:buSzPts val="3600"/>
-            </a:pPr>
-            <a:r>
-              <a:rPr lang="pt-PT" sz="3600" dirty="0">
-                <a:solidFill>
-                  <a:schemeClr val="tx1"/>
-                </a:solidFill>
-                <a:latin typeface="Twentieth Century"/>
-                <a:ea typeface="Twentieth Century"/>
-                <a:cs typeface="Twentieth Century"/>
-                <a:sym typeface="Twentieth Century"/>
-              </a:rPr>
-              <a:t>PayPal Sandbox</a:t>
-            </a:r>
-          </a:p>
-        </p:txBody>
-      </p:sp>
+      </p:pic>
     </p:spTree>
     <p:extLst>
       <p:ext uri="{BB962C8B-B14F-4D97-AF65-F5344CB8AC3E}">

--- a/Express-Farma.pptx
+++ b/Express-Farma.pptx
@@ -271,7 +271,7 @@
       <p15:sldGuideLst xmlns:p15="http://schemas.microsoft.com/office/powerpoint/2012/main"/>
     </p:ext>
     <p:ext uri="http://customooxmlschemas.google.com/">
-      <go:slidesCustomData xmlns="" xmlns:mc="http://schemas.openxmlformats.org/markup-compatibility/2006" xmlns:mv="urn:schemas-microsoft-com:mac:vml" xmlns:c="http://schemas.openxmlformats.org/drawingml/2006/chart" xmlns:dgm="http://schemas.openxmlformats.org/drawingml/2006/diagram" xmlns:o="urn:schemas-microsoft-com:office:office" xmlns:v="urn:schemas-microsoft-com:vml" xmlns:pvml="urn:schemas-microsoft-com:office:powerpoint" xmlns:com="http://schemas.openxmlformats.org/drawingml/2006/compatibility" xmlns:p14="http://schemas.microsoft.com/office/powerpoint/2010/main" xmlns:p15="http://schemas.microsoft.com/office/powerpoint/2012/main" xmlns:ahyp="http://schemas.microsoft.com/office/drawing/2018/hyperlinkcolor" xmlns:go="http://customooxmlschemas.google.com/" r:id="rId30" roundtripDataSignature="AMtx7mhl9P+zA2NKduiit3ofRO0bTFpyTQ=="/>
+      <go:slidesCustomData xmlns:go="http://customooxmlschemas.google.com/" xmlns:ahyp="http://schemas.microsoft.com/office/drawing/2018/hyperlinkcolor" xmlns:p15="http://schemas.microsoft.com/office/powerpoint/2012/main" xmlns:p14="http://schemas.microsoft.com/office/powerpoint/2010/main" xmlns:com="http://schemas.openxmlformats.org/drawingml/2006/compatibility" xmlns:pvml="urn:schemas-microsoft-com:office:powerpoint" xmlns:v="urn:schemas-microsoft-com:vml" xmlns:o="urn:schemas-microsoft-com:office:office" xmlns:dgm="http://schemas.openxmlformats.org/drawingml/2006/diagram" xmlns:c="http://schemas.openxmlformats.org/drawingml/2006/chart" xmlns:mv="urn:schemas-microsoft-com:mac:vml" xmlns:mc="http://schemas.openxmlformats.org/markup-compatibility/2006" xmlns="" r:id="rId30" roundtripDataSignature="AMtx7mhl9P+zA2NKduiit3ofRO0bTFpyTQ=="/>
     </p:ext>
   </p:extLst>
 </p:presentation>
@@ -11466,13 +11466,13 @@
               <a:rPr lang="pt-AO" sz="2400" dirty="0">
                 <a:latin typeface="+mj-lt"/>
               </a:rPr>
-              <a:t>venda, compra</a:t>
+              <a:t>compra</a:t>
             </a:r>
             <a:r>
               <a:rPr lang="pt-PT" sz="2400" dirty="0">
                 <a:latin typeface="+mj-lt"/>
               </a:rPr>
-              <a:t>, procura e gerenciamento de </a:t>
+              <a:t>, venda e procura de </a:t>
             </a:r>
             <a:r>
               <a:rPr lang="pt-AO" sz="2400" dirty="0">
@@ -15439,7 +15439,7 @@
         </p:blipFill>
         <p:spPr bwMode="auto">
           <a:xfrm>
-            <a:off x="923564" y="901321"/>
+            <a:off x="781727" y="950302"/>
             <a:ext cx="2012745" cy="1207647"/>
           </a:xfrm>
           <a:prstGeom prst="rect">
@@ -15486,7 +15486,7 @@
         </p:blipFill>
         <p:spPr bwMode="auto">
           <a:xfrm>
-            <a:off x="636823" y="2260868"/>
+            <a:off x="636822" y="2285446"/>
             <a:ext cx="2472588" cy="892406"/>
           </a:xfrm>
           <a:prstGeom prst="rect">
@@ -15533,7 +15533,7 @@
         </p:blipFill>
         <p:spPr bwMode="auto">
           <a:xfrm>
-            <a:off x="1333292" y="3536934"/>
+            <a:off x="1247334" y="3585342"/>
             <a:ext cx="1108302" cy="1108302"/>
           </a:xfrm>
           <a:prstGeom prst="rect">
@@ -15620,7 +15620,7 @@
         </p:blipFill>
         <p:spPr>
           <a:xfrm>
-            <a:off x="9226551" y="2777339"/>
+            <a:off x="8861614" y="2852401"/>
             <a:ext cx="1690183" cy="1690183"/>
           </a:xfrm>
           <a:prstGeom prst="rect">
@@ -15649,7 +15649,7 @@
         </p:blipFill>
         <p:spPr>
           <a:xfrm>
-            <a:off x="7372482" y="5025153"/>
+            <a:off x="7852636" y="5014072"/>
             <a:ext cx="3708138" cy="829055"/>
           </a:xfrm>
           <a:prstGeom prst="rect">
@@ -15678,7 +15678,7 @@
         </p:blipFill>
         <p:spPr>
           <a:xfrm>
-            <a:off x="3501295" y="4892425"/>
+            <a:off x="3748306" y="5014072"/>
             <a:ext cx="964525" cy="1255180"/>
           </a:xfrm>
           <a:prstGeom prst="rect">
@@ -15708,40 +15708,10 @@
         </p:blipFill>
         <p:spPr>
           <a:xfrm>
-            <a:off x="3402814" y="3372088"/>
+            <a:off x="3656242" y="3660862"/>
             <a:ext cx="1195387" cy="957262"/>
           </a:xfrm>
           <a:prstGeom prst="roundRect">
-            <a:avLst/>
-          </a:prstGeom>
-        </p:spPr>
-      </p:pic>
-      <p:pic>
-        <p:nvPicPr>
-          <p:cNvPr id="15" name="Imagem 14">
-            <a:extLst>
-              <a:ext uri="{FF2B5EF4-FFF2-40B4-BE49-F238E27FC236}">
-                <a16:creationId xmlns:a16="http://schemas.microsoft.com/office/drawing/2014/main" id="{1B56BF07-741E-D91D-CB28-AA92566E05C4}"/>
-              </a:ext>
-            </a:extLst>
-          </p:cNvPr>
-          <p:cNvPicPr>
-            <a:picLocks noChangeAspect="1"/>
-          </p:cNvPicPr>
-          <p:nvPr/>
-        </p:nvPicPr>
-        <p:blipFill>
-          <a:blip r:embed="rId11"/>
-          <a:stretch>
-            <a:fillRect/>
-          </a:stretch>
-        </p:blipFill>
-        <p:spPr>
-          <a:xfrm>
-            <a:off x="3557272" y="1631874"/>
-            <a:ext cx="908548" cy="1283505"/>
-          </a:xfrm>
-          <a:prstGeom prst="rect">
             <a:avLst/>
           </a:prstGeom>
         </p:spPr>
@@ -15761,14 +15731,14 @@
           <p:nvPr/>
         </p:nvPicPr>
         <p:blipFill>
-          <a:blip r:embed="rId12"/>
+          <a:blip r:embed="rId11"/>
           <a:stretch>
             <a:fillRect/>
           </a:stretch>
         </p:blipFill>
         <p:spPr>
           <a:xfrm>
-            <a:off x="8518451" y="937031"/>
+            <a:off x="8153514" y="984310"/>
             <a:ext cx="3106381" cy="1747339"/>
           </a:xfrm>
           <a:prstGeom prst="rect">
@@ -15791,15 +15761,15 @@
           <p:nvPr/>
         </p:nvPicPr>
         <p:blipFill>
-          <a:blip r:embed="rId13"/>
+          <a:blip r:embed="rId12"/>
           <a:stretch>
             <a:fillRect/>
           </a:stretch>
         </p:blipFill>
         <p:spPr>
           <a:xfrm>
-            <a:off x="6376225" y="3564076"/>
-            <a:ext cx="2135620" cy="892406"/>
+            <a:off x="3251419" y="2474021"/>
+            <a:ext cx="2119766" cy="885781"/>
           </a:xfrm>
           <a:prstGeom prst="rect">
             <a:avLst/>
@@ -15821,14 +15791,14 @@
           <p:nvPr/>
         </p:nvPicPr>
         <p:blipFill rotWithShape="1">
-          <a:blip r:embed="rId14"/>
+          <a:blip r:embed="rId13"/>
           <a:srcRect l="24718" t="13840" r="25698" b="12877"/>
           <a:stretch/>
         </p:blipFill>
         <p:spPr>
           <a:xfrm>
-            <a:off x="6587903" y="1572875"/>
-            <a:ext cx="1451848" cy="1375986"/>
+            <a:off x="3483405" y="937031"/>
+            <a:ext cx="1302234" cy="1234190"/>
           </a:xfrm>
           <a:prstGeom prst="rect">
             <a:avLst/>
